--- a/data/2018-19/cpp/zkouskova_pisemka_2_1.pptx
+++ b/data/2018-19/cpp/zkouskova_pisemka_2_1.pptx
@@ -7682,6 +7682,13 @@
   <p:clrMapOvr>
     <a:masterClrMapping/>
   </p:clrMapOvr>
+  <p:timing>
+    <p:tnLst>
+      <p:par>
+        <p:cTn id="1" dur="indefinite" restart="never" nodeType="tmRoot"/>
+      </p:par>
+    </p:tnLst>
+  </p:timing>
 </p:sld>
 </file>
 
@@ -7800,8 +7807,12 @@
           <a:p>
             <a:pPr lvl="1"/>
             <a:r>
+              <a:rPr lang="en-US" smtClean="0"/>
+              <a:t>Minimal 24 </a:t>
+            </a:r>
+            <a:r>
               <a:rPr lang="en-US" dirty="0" smtClean="0"/>
-              <a:t>Minimal 18 points</a:t>
+              <a:t>points</a:t>
             </a:r>
             <a:endParaRPr lang="cs-CZ" dirty="0"/>
           </a:p>
@@ -7879,6 +7890,13 @@
   <p:clrMapOvr>
     <a:masterClrMapping/>
   </p:clrMapOvr>
+  <p:timing>
+    <p:tnLst>
+      <p:par>
+        <p:cTn id="1" dur="indefinite" restart="never" nodeType="tmRoot"/>
+      </p:par>
+    </p:tnLst>
+  </p:timing>
 </p:sld>
 </file>
 
@@ -9004,6 +9022,13 @@
   <p:clrMapOvr>
     <a:masterClrMapping/>
   </p:clrMapOvr>
+  <p:timing>
+    <p:tnLst>
+      <p:par>
+        <p:cTn id="1" dur="indefinite" restart="never" nodeType="tmRoot"/>
+      </p:par>
+    </p:tnLst>
+  </p:timing>
 </p:sld>
 </file>
 
